--- a/notebooks/Group2_DS204_Slides.pptx
+++ b/notebooks/Group2_DS204_Slides.pptx
@@ -5423,6 +5423,13 @@
               <a:rPr lang="en-US" dirty="0"/>
               <a:t>Final Project</a:t>
             </a:r>
+            <a:br>
+              <a:rPr lang="en-US" dirty="0"/>
+            </a:br>
+            <a:r>
+              <a:rPr lang="en-US" sz="6000" dirty="0"/>
+              <a:t>Students Performance</a:t>
+            </a:r>
           </a:p>
         </p:txBody>
       </p:sp>
@@ -6462,7 +6469,165 @@
           </a:bodyPr>
           <a:lstStyle/>
           <a:p>
-            <a:endParaRPr lang="en-US" sz="1800" dirty="0"/>
+            <a:r>
+              <a:rPr lang="en-US" sz="1800" dirty="0"/>
+              <a:t>Based on the correlation results, the most reliable predictive relationship is between the first grade (G1) and the final grade (G3). The regression analysis produced an R² value of approximately 0.64, which indicates that about two-thirds of the variance in final grades can be explained by the first grade alone. The residuals showed no major violations of linear model assumptions, supporting the validity of this model.</a:t>
+            </a:r>
+          </a:p>
+        </p:txBody>
+      </p:sp>
+      <p:pic>
+        <p:nvPicPr>
+          <p:cNvPr id="5" name="Picture 4">
+            <a:extLst>
+              <a:ext uri="{FF2B5EF4-FFF2-40B4-BE49-F238E27FC236}">
+                <a16:creationId xmlns:a16="http://schemas.microsoft.com/office/drawing/2014/main" id="{6D6BCBAA-95C3-40FD-D327-0DBA34F02F72}"/>
+              </a:ext>
+            </a:extLst>
+          </p:cNvPr>
+          <p:cNvPicPr>
+            <a:picLocks noChangeAspect="1"/>
+          </p:cNvPicPr>
+          <p:nvPr/>
+        </p:nvPicPr>
+        <p:blipFill>
+          <a:blip r:embed="rId2"/>
+          <a:stretch>
+            <a:fillRect/>
+          </a:stretch>
+        </p:blipFill>
+        <p:spPr>
+          <a:xfrm>
+            <a:off x="6311537" y="3324986"/>
+            <a:ext cx="1920240" cy="1074420"/>
+          </a:xfrm>
+          <a:prstGeom prst="rect">
+            <a:avLst/>
+          </a:prstGeom>
+        </p:spPr>
+      </p:pic>
+      <p:pic>
+        <p:nvPicPr>
+          <p:cNvPr id="7" name="Picture 6">
+            <a:extLst>
+              <a:ext uri="{FF2B5EF4-FFF2-40B4-BE49-F238E27FC236}">
+                <a16:creationId xmlns:a16="http://schemas.microsoft.com/office/drawing/2014/main" id="{2D2B52DB-22CA-35D6-144E-497579481EE3}"/>
+              </a:ext>
+            </a:extLst>
+          </p:cNvPr>
+          <p:cNvPicPr>
+            <a:picLocks noChangeAspect="1"/>
+          </p:cNvPicPr>
+          <p:nvPr/>
+        </p:nvPicPr>
+        <p:blipFill>
+          <a:blip r:embed="rId3"/>
+          <a:stretch>
+            <a:fillRect/>
+          </a:stretch>
+        </p:blipFill>
+        <p:spPr>
+          <a:xfrm>
+            <a:off x="6311537" y="4626094"/>
+            <a:ext cx="5315313" cy="841120"/>
+          </a:xfrm>
+          <a:prstGeom prst="rect">
+            <a:avLst/>
+          </a:prstGeom>
+        </p:spPr>
+      </p:pic>
+      <p:pic>
+        <p:nvPicPr>
+          <p:cNvPr id="8" name="Picture 7">
+            <a:extLst>
+              <a:ext uri="{FF2B5EF4-FFF2-40B4-BE49-F238E27FC236}">
+                <a16:creationId xmlns:a16="http://schemas.microsoft.com/office/drawing/2014/main" id="{36773449-D17F-FC1E-6442-C6A011DF088E}"/>
+              </a:ext>
+            </a:extLst>
+          </p:cNvPr>
+          <p:cNvPicPr>
+            <a:picLocks noChangeAspect="1"/>
+          </p:cNvPicPr>
+          <p:nvPr/>
+        </p:nvPicPr>
+        <p:blipFill>
+          <a:blip r:embed="rId4"/>
+          <a:stretch>
+            <a:fillRect/>
+          </a:stretch>
+        </p:blipFill>
+        <p:spPr>
+          <a:xfrm>
+            <a:off x="2716530" y="5920591"/>
+            <a:ext cx="8587740" cy="548640"/>
+          </a:xfrm>
+          <a:prstGeom prst="rect">
+            <a:avLst/>
+          </a:prstGeom>
+        </p:spPr>
+      </p:pic>
+      <p:pic>
+        <p:nvPicPr>
+          <p:cNvPr id="9" name="Picture 8">
+            <a:extLst>
+              <a:ext uri="{FF2B5EF4-FFF2-40B4-BE49-F238E27FC236}">
+                <a16:creationId xmlns:a16="http://schemas.microsoft.com/office/drawing/2014/main" id="{865D4584-3C94-2045-AD5B-8E7BFFF007C0}"/>
+              </a:ext>
+            </a:extLst>
+          </p:cNvPr>
+          <p:cNvPicPr>
+            <a:picLocks noChangeAspect="1"/>
+          </p:cNvPicPr>
+          <p:nvPr/>
+        </p:nvPicPr>
+        <p:blipFill>
+          <a:blip r:embed="rId5"/>
+          <a:stretch>
+            <a:fillRect/>
+          </a:stretch>
+        </p:blipFill>
+        <p:spPr>
+          <a:xfrm>
+            <a:off x="6645227" y="1967493"/>
+            <a:ext cx="3825240" cy="891540"/>
+          </a:xfrm>
+          <a:prstGeom prst="rect">
+            <a:avLst/>
+          </a:prstGeom>
+        </p:spPr>
+      </p:pic>
+      <p:sp>
+        <p:nvSpPr>
+          <p:cNvPr id="10" name="TextBox 9">
+            <a:extLst>
+              <a:ext uri="{FF2B5EF4-FFF2-40B4-BE49-F238E27FC236}">
+                <a16:creationId xmlns:a16="http://schemas.microsoft.com/office/drawing/2014/main" id="{0AF41296-1D55-97F3-594A-86795102B00B}"/>
+              </a:ext>
+            </a:extLst>
+          </p:cNvPr>
+          <p:cNvSpPr txBox="1"/>
+          <p:nvPr/>
+        </p:nvSpPr>
+        <p:spPr>
+          <a:xfrm>
+            <a:off x="6645227" y="1598161"/>
+            <a:ext cx="3825240" cy="369332"/>
+          </a:xfrm>
+          <a:prstGeom prst="rect">
+            <a:avLst/>
+          </a:prstGeom>
+          <a:noFill/>
+        </p:spPr>
+        <p:txBody>
+          <a:bodyPr wrap="square" rtlCol="0">
+            <a:spAutoFit/>
+          </a:bodyPr>
+          <a:lstStyle/>
+          <a:p>
+            <a:r>
+              <a:rPr lang="en-US" dirty="0"/>
+              <a:t>Prediction example</a:t>
+            </a:r>
           </a:p>
         </p:txBody>
       </p:sp>
@@ -6561,14 +6726,97 @@
         </p:spPr>
         <p:txBody>
           <a:bodyPr>
-            <a:normAutofit/>
+            <a:normAutofit fontScale="85000" lnSpcReduction="20000"/>
           </a:bodyPr>
           <a:lstStyle/>
           <a:p>
-            <a:endParaRPr lang="en-US" sz="1800" dirty="0"/>
-          </a:p>
-        </p:txBody>
-      </p:sp>
+            <a:r>
+              <a:rPr lang="en-US" sz="1800" dirty="0" err="1"/>
+              <a:t>Medu</a:t>
+            </a:r>
+            <a:r>
+              <a:rPr lang="en-US" sz="1800" dirty="0"/>
+              <a:t> ↔ </a:t>
+            </a:r>
+            <a:r>
+              <a:rPr lang="en-US" sz="1800" dirty="0" err="1"/>
+              <a:t>Fedu</a:t>
+            </a:r>
+            <a:r>
+              <a:rPr lang="en-US" sz="1800" dirty="0"/>
+              <a:t> showed a strong positive correlation (Pearson ≈ 0.62), reflecting educational alignment between parents.</a:t>
+            </a:r>
+          </a:p>
+          <a:p>
+            <a:r>
+              <a:rPr lang="en-US" sz="1800" dirty="0" err="1"/>
+              <a:t>Dalc</a:t>
+            </a:r>
+            <a:r>
+              <a:rPr lang="en-US" sz="1800" dirty="0"/>
+              <a:t> ↔ </a:t>
+            </a:r>
+            <a:r>
+              <a:rPr lang="en-US" sz="1800" dirty="0" err="1"/>
+              <a:t>Walc</a:t>
+            </a:r>
+            <a:r>
+              <a:rPr lang="en-US" sz="1800" dirty="0"/>
+              <a:t> also showed a strong positive correlation (Pearson ≈ 0.65), representing consistent drinking behaviors across weekdays and weekends.</a:t>
+            </a:r>
+          </a:p>
+          <a:p>
+            <a:r>
+              <a:rPr lang="en-US" sz="1800" b="1" u="sng" dirty="0">
+                <a:solidFill>
+                  <a:srgbClr val="FF0000"/>
+                </a:solidFill>
+              </a:rPr>
+              <a:t>G1 ↔ G3</a:t>
+            </a:r>
+            <a:r>
+              <a:rPr lang="en-US" sz="1800" dirty="0"/>
+              <a:t> showed a very strong positive correlation (Pearson ≈ 0.80) and the highest explanatory power, with R² ≈ 0.64.</a:t>
+            </a:r>
+          </a:p>
+          <a:p>
+            <a:r>
+              <a:rPr lang="en-US" sz="1800" dirty="0"/>
+              <a:t>Among these, the relationship between G1 and G3 provided the strongest basis for predictive modeling. A simple linear regression model was recommended, explaining more than 60% of the variance in final grades. This result demonstrates that early academic performance is a reliable predictor of final outcomes, which has important implications for educational interventions.</a:t>
+            </a:r>
+          </a:p>
+        </p:txBody>
+      </p:sp>
+      <p:pic>
+        <p:nvPicPr>
+          <p:cNvPr id="5" name="Picture 4">
+            <a:extLst>
+              <a:ext uri="{FF2B5EF4-FFF2-40B4-BE49-F238E27FC236}">
+                <a16:creationId xmlns:a16="http://schemas.microsoft.com/office/drawing/2014/main" id="{5C4335F4-F7B3-8ED6-E6A1-37B72A840243}"/>
+              </a:ext>
+            </a:extLst>
+          </p:cNvPr>
+          <p:cNvPicPr>
+            <a:picLocks noChangeAspect="1"/>
+          </p:cNvPicPr>
+          <p:nvPr/>
+        </p:nvPicPr>
+        <p:blipFill>
+          <a:blip r:embed="rId2"/>
+          <a:stretch>
+            <a:fillRect/>
+          </a:stretch>
+        </p:blipFill>
+        <p:spPr>
+          <a:xfrm>
+            <a:off x="6898878" y="1927996"/>
+            <a:ext cx="4325131" cy="3707502"/>
+          </a:xfrm>
+          <a:prstGeom prst="rect">
+            <a:avLst/>
+          </a:prstGeom>
+        </p:spPr>
+      </p:pic>
     </p:spTree>
     <p:extLst>
       <p:ext uri="{BB962C8B-B14F-4D97-AF65-F5344CB8AC3E}">
